--- a/오픈소스 이해 7조 9주차 실습.pptx
+++ b/오픈소스 이해 7조 9주차 실습.pptx
@@ -7,13 +7,15 @@
   <p:sldIdLst>
     <p:sldId id="256" r:id="rId2"/>
     <p:sldId id="257" r:id="rId3"/>
-    <p:sldId id="258" r:id="rId4"/>
-    <p:sldId id="259" r:id="rId5"/>
-    <p:sldId id="260" r:id="rId6"/>
-    <p:sldId id="261" r:id="rId7"/>
-    <p:sldId id="262" r:id="rId8"/>
-    <p:sldId id="263" r:id="rId9"/>
-    <p:sldId id="264" r:id="rId10"/>
+    <p:sldId id="265" r:id="rId4"/>
+    <p:sldId id="258" r:id="rId5"/>
+    <p:sldId id="259" r:id="rId6"/>
+    <p:sldId id="260" r:id="rId7"/>
+    <p:sldId id="261" r:id="rId8"/>
+    <p:sldId id="262" r:id="rId9"/>
+    <p:sldId id="263" r:id="rId10"/>
+    <p:sldId id="266" r:id="rId11"/>
+    <p:sldId id="267" r:id="rId12"/>
   </p:sldIdLst>
   <p:sldSz cx="12192000" cy="6858000"/>
   <p:notesSz cx="6858000" cy="9144000"/>
@@ -3355,6 +3357,21 @@
           <a:bodyPr/>
           <a:lstStyle/>
           <a:p>
+            <a:r>
+              <a:rPr lang="ko-KR" altLang="en-US"/>
+              <a:t>오픈소스 </a:t>
+            </a:r>
+            <a:r>
+              <a:rPr lang="en-US" altLang="ko-KR"/>
+              <a:t>9</a:t>
+            </a:r>
+            <a:r>
+              <a:rPr lang="ko-KR" altLang="en-US"/>
+              <a:t>주차 실습 </a:t>
+            </a:r>
+            <a:br>
+              <a:rPr lang="en-US" altLang="ko-KR"/>
+            </a:br>
             <a:endParaRPr lang="ko-KR" altLang="en-US"/>
           </a:p>
         </p:txBody>
@@ -3375,12 +3392,24 @@
             <p:ph type="subTitle" idx="1"/>
           </p:nvPr>
         </p:nvSpPr>
-        <p:spPr/>
-        <p:txBody>
-          <a:bodyPr/>
-          <a:lstStyle/>
-          <a:p>
-            <a:endParaRPr lang="ko-KR" altLang="en-US"/>
+        <p:spPr>
+          <a:xfrm>
+            <a:off x="6248400" y="4355073"/>
+            <a:ext cx="9144000" cy="1655762"/>
+          </a:xfrm>
+        </p:spPr>
+        <p:txBody>
+          <a:bodyPr/>
+          <a:lstStyle/>
+          <a:p>
+            <a:r>
+              <a:rPr lang="en-US" altLang="ko-KR"/>
+              <a:t>7</a:t>
+            </a:r>
+            <a:r>
+              <a:rPr lang="ko-KR" altLang="en-US"/>
+              <a:t>조</a:t>
+            </a:r>
           </a:p>
         </p:txBody>
       </p:sp>
@@ -3388,6 +3417,247 @@
     <p:extLst>
       <p:ext uri="{BB962C8B-B14F-4D97-AF65-F5344CB8AC3E}">
         <p14:creationId xmlns:p14="http://schemas.microsoft.com/office/powerpoint/2010/main" val="1575308577"/>
+      </p:ext>
+    </p:extLst>
+  </p:cSld>
+  <p:clrMapOvr>
+    <a:masterClrMapping/>
+  </p:clrMapOvr>
+</p:sld>
+</file>
+
+<file path=ppt/slides/slide10.xml><?xml version="1.0" encoding="utf-8"?>
+<p:sld xmlns:a="http://schemas.openxmlformats.org/drawingml/2006/main" xmlns:r="http://schemas.openxmlformats.org/officeDocument/2006/relationships" xmlns:p="http://schemas.openxmlformats.org/presentationml/2006/main">
+  <p:cSld>
+    <p:spTree>
+      <p:nvGrpSpPr>
+        <p:cNvPr id="1" name=""/>
+        <p:cNvGrpSpPr/>
+        <p:nvPr/>
+      </p:nvGrpSpPr>
+      <p:grpSpPr>
+        <a:xfrm>
+          <a:off x="0" y="0"/>
+          <a:ext cx="0" cy="0"/>
+          <a:chOff x="0" y="0"/>
+          <a:chExt cx="0" cy="0"/>
+        </a:xfrm>
+      </p:grpSpPr>
+      <p:sp>
+        <p:nvSpPr>
+          <p:cNvPr id="2" name="제목 1">
+            <a:extLst>
+              <a:ext uri="{FF2B5EF4-FFF2-40B4-BE49-F238E27FC236}">
+                <a16:creationId xmlns:a16="http://schemas.microsoft.com/office/drawing/2014/main" id="{AAD211D7-E553-C6CE-9923-915BEAFF67C1}"/>
+              </a:ext>
+            </a:extLst>
+          </p:cNvPr>
+          <p:cNvSpPr>
+            <a:spLocks noGrp="1"/>
+          </p:cNvSpPr>
+          <p:nvPr>
+            <p:ph type="title"/>
+          </p:nvPr>
+        </p:nvSpPr>
+        <p:spPr/>
+        <p:txBody>
+          <a:bodyPr/>
+          <a:lstStyle/>
+          <a:p>
+            <a:r>
+              <a:rPr lang="ko-KR" altLang="en-US"/>
+              <a:t>각 브랜치를 합병한 최종</a:t>
+            </a:r>
+            <a:r>
+              <a:rPr lang="en-US" altLang="ko-KR"/>
+              <a:t>html</a:t>
+            </a:r>
+            <a:r>
+              <a:rPr lang="ko-KR" altLang="en-US"/>
+              <a:t>파일</a:t>
+            </a:r>
+          </a:p>
+        </p:txBody>
+      </p:sp>
+      <p:sp>
+        <p:nvSpPr>
+          <p:cNvPr id="3" name="내용 개체 틀 2">
+            <a:extLst>
+              <a:ext uri="{FF2B5EF4-FFF2-40B4-BE49-F238E27FC236}">
+                <a16:creationId xmlns:a16="http://schemas.microsoft.com/office/drawing/2014/main" id="{A17C5B70-75E5-2A8F-3B48-A47E4C2DBA07}"/>
+              </a:ext>
+            </a:extLst>
+          </p:cNvPr>
+          <p:cNvSpPr>
+            <a:spLocks noGrp="1"/>
+          </p:cNvSpPr>
+          <p:nvPr>
+            <p:ph idx="1"/>
+          </p:nvPr>
+        </p:nvSpPr>
+        <p:spPr/>
+        <p:txBody>
+          <a:bodyPr/>
+          <a:lstStyle/>
+          <a:p>
+            <a:endParaRPr lang="ko-KR" altLang="en-US"/>
+          </a:p>
+        </p:txBody>
+      </p:sp>
+      <p:pic>
+        <p:nvPicPr>
+          <p:cNvPr id="7" name="그림 6">
+            <a:extLst>
+              <a:ext uri="{FF2B5EF4-FFF2-40B4-BE49-F238E27FC236}">
+                <a16:creationId xmlns:a16="http://schemas.microsoft.com/office/drawing/2014/main" id="{BB8E0F8B-35C9-34C4-A76D-FC8CE825699A}"/>
+              </a:ext>
+            </a:extLst>
+          </p:cNvPr>
+          <p:cNvPicPr>
+            <a:picLocks noChangeAspect="1"/>
+          </p:cNvPicPr>
+          <p:nvPr/>
+        </p:nvPicPr>
+        <p:blipFill>
+          <a:blip r:embed="rId2"/>
+          <a:stretch>
+            <a:fillRect/>
+          </a:stretch>
+        </p:blipFill>
+        <p:spPr>
+          <a:xfrm>
+            <a:off x="0" y="1687513"/>
+            <a:ext cx="12192000" cy="4851400"/>
+          </a:xfrm>
+          <a:prstGeom prst="rect">
+            <a:avLst/>
+          </a:prstGeom>
+        </p:spPr>
+      </p:pic>
+    </p:spTree>
+    <p:extLst>
+      <p:ext uri="{BB962C8B-B14F-4D97-AF65-F5344CB8AC3E}">
+        <p14:creationId xmlns:p14="http://schemas.microsoft.com/office/powerpoint/2010/main" val="2036224446"/>
+      </p:ext>
+    </p:extLst>
+  </p:cSld>
+  <p:clrMapOvr>
+    <a:masterClrMapping/>
+  </p:clrMapOvr>
+</p:sld>
+</file>
+
+<file path=ppt/slides/slide11.xml><?xml version="1.0" encoding="utf-8"?>
+<p:sld xmlns:a="http://schemas.openxmlformats.org/drawingml/2006/main" xmlns:r="http://schemas.openxmlformats.org/officeDocument/2006/relationships" xmlns:p="http://schemas.openxmlformats.org/presentationml/2006/main">
+  <p:cSld>
+    <p:spTree>
+      <p:nvGrpSpPr>
+        <p:cNvPr id="1" name=""/>
+        <p:cNvGrpSpPr/>
+        <p:nvPr/>
+      </p:nvGrpSpPr>
+      <p:grpSpPr>
+        <a:xfrm>
+          <a:off x="0" y="0"/>
+          <a:ext cx="0" cy="0"/>
+          <a:chOff x="0" y="0"/>
+          <a:chExt cx="0" cy="0"/>
+        </a:xfrm>
+      </p:grpSpPr>
+      <p:sp>
+        <p:nvSpPr>
+          <p:cNvPr id="2" name="제목 1">
+            <a:extLst>
+              <a:ext uri="{FF2B5EF4-FFF2-40B4-BE49-F238E27FC236}">
+                <a16:creationId xmlns:a16="http://schemas.microsoft.com/office/drawing/2014/main" id="{394BD25A-F3F9-5BC6-F633-FF96BEFA9E3B}"/>
+              </a:ext>
+            </a:extLst>
+          </p:cNvPr>
+          <p:cNvSpPr>
+            <a:spLocks noGrp="1"/>
+          </p:cNvSpPr>
+          <p:nvPr>
+            <p:ph type="title"/>
+          </p:nvPr>
+        </p:nvSpPr>
+        <p:spPr>
+          <a:xfrm>
+            <a:off x="7862046" y="2160494"/>
+            <a:ext cx="4433047" cy="516312"/>
+          </a:xfrm>
+        </p:spPr>
+        <p:txBody>
+          <a:bodyPr>
+            <a:noAutofit/>
+          </a:bodyPr>
+          <a:lstStyle/>
+          <a:p>
+            <a:r>
+              <a:rPr lang="ko-KR" altLang="en-US" sz="2400"/>
+              <a:t>최종 깃허브 환경</a:t>
+            </a:r>
+          </a:p>
+        </p:txBody>
+      </p:sp>
+      <p:sp>
+        <p:nvSpPr>
+          <p:cNvPr id="3" name="내용 개체 틀 2">
+            <a:extLst>
+              <a:ext uri="{FF2B5EF4-FFF2-40B4-BE49-F238E27FC236}">
+                <a16:creationId xmlns:a16="http://schemas.microsoft.com/office/drawing/2014/main" id="{998891A4-F5B2-6C07-D3E3-753AE6DC82CD}"/>
+              </a:ext>
+            </a:extLst>
+          </p:cNvPr>
+          <p:cNvSpPr>
+            <a:spLocks noGrp="1"/>
+          </p:cNvSpPr>
+          <p:nvPr>
+            <p:ph idx="1"/>
+          </p:nvPr>
+        </p:nvSpPr>
+        <p:spPr/>
+        <p:txBody>
+          <a:bodyPr/>
+          <a:lstStyle/>
+          <a:p>
+            <a:endParaRPr lang="ko-KR" altLang="en-US"/>
+          </a:p>
+        </p:txBody>
+      </p:sp>
+      <p:pic>
+        <p:nvPicPr>
+          <p:cNvPr id="5" name="그림 4">
+            <a:extLst>
+              <a:ext uri="{FF2B5EF4-FFF2-40B4-BE49-F238E27FC236}">
+                <a16:creationId xmlns:a16="http://schemas.microsoft.com/office/drawing/2014/main" id="{C72E89C0-76D5-4A6B-DB03-E2158A7A7D5E}"/>
+              </a:ext>
+            </a:extLst>
+          </p:cNvPr>
+          <p:cNvPicPr>
+            <a:picLocks noChangeAspect="1"/>
+          </p:cNvPicPr>
+          <p:nvPr/>
+        </p:nvPicPr>
+        <p:blipFill>
+          <a:blip r:embed="rId2"/>
+          <a:stretch>
+            <a:fillRect/>
+          </a:stretch>
+        </p:blipFill>
+        <p:spPr>
+          <a:xfrm>
+            <a:off x="182439" y="107577"/>
+            <a:ext cx="7595780" cy="6858000"/>
+          </a:xfrm>
+          <a:prstGeom prst="rect">
+            <a:avLst/>
+          </a:prstGeom>
+        </p:spPr>
+      </p:pic>
+    </p:spTree>
+    <p:extLst>
+      <p:ext uri="{BB962C8B-B14F-4D97-AF65-F5344CB8AC3E}">
+        <p14:creationId xmlns:p14="http://schemas.microsoft.com/office/powerpoint/2010/main" val="47852616"/>
       </p:ext>
     </p:extLst>
   </p:cSld>
@@ -3430,14 +3700,21 @@
             <p:ph type="title"/>
           </p:nvPr>
         </p:nvSpPr>
-        <p:spPr/>
-        <p:txBody>
-          <a:bodyPr/>
-          <a:lstStyle/>
-          <a:p>
-            <a:r>
-              <a:rPr lang="ko-KR" altLang="en-US"/>
-              <a:t>저장소에 구성원 추가</a:t>
+        <p:spPr>
+          <a:xfrm>
+            <a:off x="649941" y="5677693"/>
+            <a:ext cx="10515600" cy="1325563"/>
+          </a:xfrm>
+        </p:spPr>
+        <p:txBody>
+          <a:bodyPr>
+            <a:normAutofit/>
+          </a:bodyPr>
+          <a:lstStyle/>
+          <a:p>
+            <a:r>
+              <a:rPr lang="ko-KR" altLang="en-US" sz="2000"/>
+              <a:t>원격저장소에서 구성원들을 협업할수 있도록 추가해준다</a:t>
             </a:r>
           </a:p>
         </p:txBody>
@@ -3472,11 +3749,65 @@
         </p:blipFill>
         <p:spPr>
           <a:xfrm>
-            <a:off x="1908007" y="1825625"/>
+            <a:off x="1477701" y="1458072"/>
             <a:ext cx="8375985" cy="4351338"/>
           </a:xfrm>
         </p:spPr>
       </p:pic>
+      <p:sp>
+        <p:nvSpPr>
+          <p:cNvPr id="3" name="제목 1">
+            <a:extLst>
+              <a:ext uri="{FF2B5EF4-FFF2-40B4-BE49-F238E27FC236}">
+                <a16:creationId xmlns:a16="http://schemas.microsoft.com/office/drawing/2014/main" id="{77368679-BC7E-0187-A858-E386A9B1B7A8}"/>
+              </a:ext>
+            </a:extLst>
+          </p:cNvPr>
+          <p:cNvSpPr txBox="1">
+            <a:spLocks/>
+          </p:cNvSpPr>
+          <p:nvPr/>
+        </p:nvSpPr>
+        <p:spPr>
+          <a:xfrm>
+            <a:off x="649941" y="132509"/>
+            <a:ext cx="10515600" cy="1325563"/>
+          </a:xfrm>
+          <a:prstGeom prst="rect">
+            <a:avLst/>
+          </a:prstGeom>
+        </p:spPr>
+        <p:txBody>
+          <a:bodyPr vert="horz" lIns="91440" tIns="45720" rIns="91440" bIns="45720" rtlCol="0" anchor="ctr">
+            <a:normAutofit/>
+          </a:bodyPr>
+          <a:lstStyle>
+            <a:lvl1pPr algn="l" defTabSz="914400" rtl="0" eaLnBrk="1" latinLnBrk="1" hangingPunct="1">
+              <a:lnSpc>
+                <a:spcPct val="90000"/>
+              </a:lnSpc>
+              <a:spcBef>
+                <a:spcPct val="0"/>
+              </a:spcBef>
+              <a:buNone/>
+              <a:defRPr sz="4400" kern="1200">
+                <a:solidFill>
+                  <a:schemeClr val="tx1"/>
+                </a:solidFill>
+                <a:latin typeface="+mj-lt"/>
+                <a:ea typeface="+mj-ea"/>
+                <a:cs typeface="+mj-cs"/>
+              </a:defRPr>
+            </a:lvl1pPr>
+          </a:lstStyle>
+          <a:p>
+            <a:r>
+              <a:rPr lang="ko-KR" altLang="en-US"/>
+              <a:t>저장소에 구성원 추가</a:t>
+            </a:r>
+          </a:p>
+        </p:txBody>
+      </p:sp>
     </p:spTree>
     <p:extLst>
       <p:ext uri="{BB962C8B-B14F-4D97-AF65-F5344CB8AC3E}">
@@ -3512,7 +3843,7 @@
           <p:cNvPr id="2" name="제목 1">
             <a:extLst>
               <a:ext uri="{FF2B5EF4-FFF2-40B4-BE49-F238E27FC236}">
-                <a16:creationId xmlns:a16="http://schemas.microsoft.com/office/drawing/2014/main" id="{7DAE7ABD-5EF0-D78D-48A8-37082F20D1CE}"/>
+                <a16:creationId xmlns:a16="http://schemas.microsoft.com/office/drawing/2014/main" id="{96931B09-6B85-D78C-817D-A89581A30B72}"/>
               </a:ext>
             </a:extLst>
           </p:cNvPr>
@@ -3530,15 +3861,7 @@
           <a:p>
             <a:r>
               <a:rPr lang="ko-KR" altLang="en-US"/>
-              <a:t>원격저장소를 로컬로 </a:t>
-            </a:r>
-            <a:r>
-              <a:rPr lang="en-US" altLang="ko-KR"/>
-              <a:t>clone</a:t>
-            </a:r>
-            <a:r>
-              <a:rPr lang="ko-KR" altLang="en-US"/>
-              <a:t>한다</a:t>
+              <a:t>구성원 추가 완료 화면</a:t>
             </a:r>
           </a:p>
         </p:txBody>
@@ -3548,7 +3871,7 @@
           <p:cNvPr id="3" name="내용 개체 틀 2">
             <a:extLst>
               <a:ext uri="{FF2B5EF4-FFF2-40B4-BE49-F238E27FC236}">
-                <a16:creationId xmlns:a16="http://schemas.microsoft.com/office/drawing/2014/main" id="{B1132CBA-87D8-603F-69BC-26B1323A1A88}"/>
+                <a16:creationId xmlns:a16="http://schemas.microsoft.com/office/drawing/2014/main" id="{47368DA8-4317-3F25-D34B-AC8E0FD15E7D}"/>
               </a:ext>
             </a:extLst>
           </p:cNvPr>
@@ -3573,7 +3896,7 @@
           <p:cNvPr id="5" name="그림 4">
             <a:extLst>
               <a:ext uri="{FF2B5EF4-FFF2-40B4-BE49-F238E27FC236}">
-                <a16:creationId xmlns:a16="http://schemas.microsoft.com/office/drawing/2014/main" id="{F4297D72-8A37-6052-2A8B-713DF9A597C2}"/>
+                <a16:creationId xmlns:a16="http://schemas.microsoft.com/office/drawing/2014/main" id="{BCDD438F-A3C7-82FA-2FB7-1857870CB747}"/>
               </a:ext>
             </a:extLst>
           </p:cNvPr>
@@ -3590,7 +3913,143 @@
         </p:blipFill>
         <p:spPr>
           <a:xfrm>
-            <a:off x="-153846" y="3105089"/>
+            <a:off x="1275790" y="1825625"/>
+            <a:ext cx="6610350" cy="4581525"/>
+          </a:xfrm>
+          <a:prstGeom prst="rect">
+            <a:avLst/>
+          </a:prstGeom>
+        </p:spPr>
+      </p:pic>
+    </p:spTree>
+    <p:extLst>
+      <p:ext uri="{BB962C8B-B14F-4D97-AF65-F5344CB8AC3E}">
+        <p14:creationId xmlns:p14="http://schemas.microsoft.com/office/powerpoint/2010/main" val="3112814884"/>
+      </p:ext>
+    </p:extLst>
+  </p:cSld>
+  <p:clrMapOvr>
+    <a:masterClrMapping/>
+  </p:clrMapOvr>
+</p:sld>
+</file>
+
+<file path=ppt/slides/slide4.xml><?xml version="1.0" encoding="utf-8"?>
+<p:sld xmlns:a="http://schemas.openxmlformats.org/drawingml/2006/main" xmlns:r="http://schemas.openxmlformats.org/officeDocument/2006/relationships" xmlns:p="http://schemas.openxmlformats.org/presentationml/2006/main">
+  <p:cSld>
+    <p:spTree>
+      <p:nvGrpSpPr>
+        <p:cNvPr id="1" name=""/>
+        <p:cNvGrpSpPr/>
+        <p:nvPr/>
+      </p:nvGrpSpPr>
+      <p:grpSpPr>
+        <a:xfrm>
+          <a:off x="0" y="0"/>
+          <a:ext cx="0" cy="0"/>
+          <a:chOff x="0" y="0"/>
+          <a:chExt cx="0" cy="0"/>
+        </a:xfrm>
+      </p:grpSpPr>
+      <p:sp>
+        <p:nvSpPr>
+          <p:cNvPr id="2" name="제목 1">
+            <a:extLst>
+              <a:ext uri="{FF2B5EF4-FFF2-40B4-BE49-F238E27FC236}">
+                <a16:creationId xmlns:a16="http://schemas.microsoft.com/office/drawing/2014/main" id="{7DAE7ABD-5EF0-D78D-48A8-37082F20D1CE}"/>
+              </a:ext>
+            </a:extLst>
+          </p:cNvPr>
+          <p:cNvSpPr>
+            <a:spLocks noGrp="1"/>
+          </p:cNvSpPr>
+          <p:nvPr>
+            <p:ph type="title"/>
+          </p:nvPr>
+        </p:nvSpPr>
+        <p:spPr/>
+        <p:txBody>
+          <a:bodyPr/>
+          <a:lstStyle/>
+          <a:p>
+            <a:r>
+              <a:rPr lang="ko-KR" altLang="en-US"/>
+              <a:t>원격저장소를 로컬로 </a:t>
+            </a:r>
+            <a:r>
+              <a:rPr lang="en-US" altLang="ko-KR"/>
+              <a:t>clone</a:t>
+            </a:r>
+            <a:r>
+              <a:rPr lang="ko-KR" altLang="en-US"/>
+              <a:t>한다</a:t>
+            </a:r>
+          </a:p>
+        </p:txBody>
+      </p:sp>
+      <p:sp>
+        <p:nvSpPr>
+          <p:cNvPr id="3" name="내용 개체 틀 2">
+            <a:extLst>
+              <a:ext uri="{FF2B5EF4-FFF2-40B4-BE49-F238E27FC236}">
+                <a16:creationId xmlns:a16="http://schemas.microsoft.com/office/drawing/2014/main" id="{B1132CBA-87D8-603F-69BC-26B1323A1A88}"/>
+              </a:ext>
+            </a:extLst>
+          </p:cNvPr>
+          <p:cNvSpPr>
+            <a:spLocks noGrp="1"/>
+          </p:cNvSpPr>
+          <p:nvPr>
+            <p:ph idx="1"/>
+          </p:nvPr>
+        </p:nvSpPr>
+        <p:spPr>
+          <a:xfrm>
+            <a:off x="340659" y="4294093"/>
+            <a:ext cx="11013141" cy="1882869"/>
+          </a:xfrm>
+        </p:spPr>
+        <p:txBody>
+          <a:bodyPr/>
+          <a:lstStyle/>
+          <a:p>
+            <a:pPr marL="0" indent="0">
+              <a:buNone/>
+            </a:pPr>
+            <a:r>
+              <a:rPr lang="en-US" altLang="ko-KR"/>
+              <a:t>-&gt; </a:t>
+            </a:r>
+            <a:r>
+              <a:rPr lang="ko-KR" altLang="en-US"/>
+              <a:t>원격저장소와 똑같은 파일들이 로컬 저장소에 저장된다 </a:t>
+            </a:r>
+          </a:p>
+        </p:txBody>
+      </p:sp>
+      <p:pic>
+        <p:nvPicPr>
+          <p:cNvPr id="5" name="그림 4">
+            <a:extLst>
+              <a:ext uri="{FF2B5EF4-FFF2-40B4-BE49-F238E27FC236}">
+                <a16:creationId xmlns:a16="http://schemas.microsoft.com/office/drawing/2014/main" id="{F4297D72-8A37-6052-2A8B-713DF9A597C2}"/>
+              </a:ext>
+            </a:extLst>
+          </p:cNvPr>
+          <p:cNvPicPr>
+            <a:picLocks noChangeAspect="1"/>
+          </p:cNvPicPr>
+          <p:nvPr/>
+        </p:nvPicPr>
+        <p:blipFill>
+          <a:blip r:embed="rId2"/>
+          <a:stretch>
+            <a:fillRect/>
+          </a:stretch>
+        </p:blipFill>
+        <p:spPr>
+          <a:xfrm>
+            <a:off x="-153846" y="2898901"/>
             <a:ext cx="12133644" cy="869123"/>
           </a:xfrm>
           <a:prstGeom prst="rect">
@@ -3611,7 +4070,7 @@
 </p:sld>
 </file>
 
-<file path=ppt/slides/slide4.xml><?xml version="1.0" encoding="utf-8"?>
+<file path=ppt/slides/slide5.xml><?xml version="1.0" encoding="utf-8"?>
 <p:sld xmlns:a="http://schemas.openxmlformats.org/drawingml/2006/main" xmlns:r="http://schemas.openxmlformats.org/officeDocument/2006/relationships" xmlns:p="http://schemas.openxmlformats.org/presentationml/2006/main">
   <p:cSld>
     <p:spTree>
@@ -3724,7 +4183,7 @@
 </p:sld>
 </file>
 
-<file path=ppt/slides/slide5.xml><?xml version="1.0" encoding="utf-8"?>
+<file path=ppt/slides/slide6.xml><?xml version="1.0" encoding="utf-8"?>
 <p:sld xmlns:a="http://schemas.openxmlformats.org/drawingml/2006/main" xmlns:r="http://schemas.openxmlformats.org/officeDocument/2006/relationships" xmlns:p="http://schemas.openxmlformats.org/presentationml/2006/main">
   <p:cSld>
     <p:spTree>
@@ -3770,7 +4229,7 @@
             </a:r>
             <a:r>
               <a:rPr lang="ko-KR" altLang="en-US" sz="2800"/>
-              <a:t>명령어로 현재 원격저장소에서 작업된 파일을 가져온다</a:t>
+              <a:t>명령어로 현재 원격저장소에서 작업된 파일을 로컬 저장소로 가져온다</a:t>
             </a:r>
           </a:p>
         </p:txBody>
@@ -3843,7 +4302,7 @@
 </p:sld>
 </file>
 
-<file path=ppt/slides/slide6.xml><?xml version="1.0" encoding="utf-8"?>
+<file path=ppt/slides/slide7.xml><?xml version="1.0" encoding="utf-8"?>
 <p:sld xmlns:a="http://schemas.openxmlformats.org/drawingml/2006/main" xmlns:r="http://schemas.openxmlformats.org/officeDocument/2006/relationships" xmlns:p="http://schemas.openxmlformats.org/presentationml/2006/main">
   <p:cSld>
     <p:spTree>
@@ -3883,7 +4342,7 @@
           <a:p>
             <a:r>
               <a:rPr lang="ko-KR" altLang="en-US"/>
-              <a:t>원본 파일 생성</a:t>
+              <a:t>로컬에서 원본 파일 생성</a:t>
             </a:r>
           </a:p>
         </p:txBody>
@@ -3956,7 +4415,7 @@
 </p:sld>
 </file>
 
-<file path=ppt/slides/slide7.xml><?xml version="1.0" encoding="utf-8"?>
+<file path=ppt/slides/slide8.xml><?xml version="1.0" encoding="utf-8"?>
 <p:sld xmlns:a="http://schemas.openxmlformats.org/drawingml/2006/main" xmlns:r="http://schemas.openxmlformats.org/officeDocument/2006/relationships" xmlns:p="http://schemas.openxmlformats.org/presentationml/2006/main">
   <p:cSld>
     <p:spTree>
@@ -3992,7 +4451,7 @@
         <p:spPr>
           <a:xfrm>
             <a:off x="6992736" y="1899504"/>
-            <a:ext cx="1650357" cy="558760"/>
+            <a:ext cx="2160229" cy="558760"/>
           </a:xfrm>
         </p:spPr>
         <p:txBody>
@@ -4003,7 +4462,7 @@
           <a:p>
             <a:r>
               <a:rPr lang="ko-KR" altLang="en-US" sz="2000"/>
-              <a:t>브랜치생성</a:t>
+              <a:t>일반 브랜치생성</a:t>
             </a:r>
           </a:p>
         </p:txBody>
@@ -4114,7 +4573,7 @@
         <p:spPr>
           <a:xfrm>
             <a:off x="6992736" y="2813276"/>
-            <a:ext cx="1650357" cy="558760"/>
+            <a:ext cx="2160229" cy="558760"/>
           </a:xfrm>
           <a:prstGeom prst="rect">
             <a:avLst/>
@@ -4146,7 +4605,7 @@
           <a:p>
             <a:r>
               <a:rPr lang="ko-KR" altLang="en-US" sz="2000"/>
-              <a:t>브랜치생성</a:t>
+              <a:t>브랜치 목록 확인</a:t>
             </a:r>
           </a:p>
         </p:txBody>
@@ -4168,7 +4627,7 @@
         <p:spPr>
           <a:xfrm>
             <a:off x="7067007" y="3999577"/>
-            <a:ext cx="1650357" cy="558760"/>
+            <a:ext cx="3869934" cy="558760"/>
           </a:xfrm>
           <a:prstGeom prst="rect">
             <a:avLst/>
@@ -4176,7 +4635,7 @@
         </p:spPr>
         <p:txBody>
           <a:bodyPr vert="horz" lIns="91440" tIns="45720" rIns="91440" bIns="45720" rtlCol="0" anchor="ctr">
-            <a:normAutofit/>
+            <a:normAutofit fontScale="92500" lnSpcReduction="10000"/>
           </a:bodyPr>
           <a:lstStyle>
             <a:lvl1pPr algn="l" defTabSz="914400" rtl="0" eaLnBrk="1" latinLnBrk="1" hangingPunct="1">
@@ -4200,7 +4659,15 @@
           <a:p>
             <a:r>
               <a:rPr lang="ko-KR" altLang="en-US" sz="2000"/>
-              <a:t>브랜치생성</a:t>
+              <a:t>로컬에서 작업한 수정사항 </a:t>
+            </a:r>
+            <a:r>
+              <a:rPr lang="en-US" altLang="ko-KR" sz="2000"/>
+              <a:t>stage</a:t>
+            </a:r>
+            <a:r>
+              <a:rPr lang="ko-KR" altLang="en-US" sz="2000"/>
+              <a:t>에 올린다</a:t>
             </a:r>
           </a:p>
         </p:txBody>
@@ -4209,146 +4676,6 @@
     <p:extLst>
       <p:ext uri="{BB962C8B-B14F-4D97-AF65-F5344CB8AC3E}">
         <p14:creationId xmlns:p14="http://schemas.microsoft.com/office/powerpoint/2010/main" val="488336632"/>
-      </p:ext>
-    </p:extLst>
-  </p:cSld>
-  <p:clrMapOvr>
-    <a:masterClrMapping/>
-  </p:clrMapOvr>
-</p:sld>
-</file>
-
-<file path=ppt/slides/slide8.xml><?xml version="1.0" encoding="utf-8"?>
-<p:sld xmlns:a="http://schemas.openxmlformats.org/drawingml/2006/main" xmlns:r="http://schemas.openxmlformats.org/officeDocument/2006/relationships" xmlns:p="http://schemas.openxmlformats.org/presentationml/2006/main">
-  <p:cSld>
-    <p:spTree>
-      <p:nvGrpSpPr>
-        <p:cNvPr id="1" name=""/>
-        <p:cNvGrpSpPr/>
-        <p:nvPr/>
-      </p:nvGrpSpPr>
-      <p:grpSpPr>
-        <a:xfrm>
-          <a:off x="0" y="0"/>
-          <a:ext cx="0" cy="0"/>
-          <a:chOff x="0" y="0"/>
-          <a:chExt cx="0" cy="0"/>
-        </a:xfrm>
-      </p:grpSpPr>
-      <p:sp>
-        <p:nvSpPr>
-          <p:cNvPr id="2" name="제목 1">
-            <a:extLst>
-              <a:ext uri="{FF2B5EF4-FFF2-40B4-BE49-F238E27FC236}">
-                <a16:creationId xmlns:a16="http://schemas.microsoft.com/office/drawing/2014/main" id="{FB03BBA7-CFF0-4337-8A0F-46D424DDD4FE}"/>
-              </a:ext>
-            </a:extLst>
-          </p:cNvPr>
-          <p:cNvSpPr>
-            <a:spLocks noGrp="1"/>
-          </p:cNvSpPr>
-          <p:nvPr>
-            <p:ph type="title"/>
-          </p:nvPr>
-        </p:nvSpPr>
-        <p:spPr/>
-        <p:txBody>
-          <a:bodyPr/>
-          <a:lstStyle/>
-          <a:p>
-            <a:endParaRPr lang="ko-KR" altLang="en-US"/>
-          </a:p>
-        </p:txBody>
-      </p:sp>
-      <p:sp>
-        <p:nvSpPr>
-          <p:cNvPr id="3" name="내용 개체 틀 2">
-            <a:extLst>
-              <a:ext uri="{FF2B5EF4-FFF2-40B4-BE49-F238E27FC236}">
-                <a16:creationId xmlns:a16="http://schemas.microsoft.com/office/drawing/2014/main" id="{7890D351-F610-AC9E-71E5-A493515B177C}"/>
-              </a:ext>
-            </a:extLst>
-          </p:cNvPr>
-          <p:cNvSpPr>
-            <a:spLocks noGrp="1"/>
-          </p:cNvSpPr>
-          <p:nvPr>
-            <p:ph idx="1"/>
-          </p:nvPr>
-        </p:nvSpPr>
-        <p:spPr/>
-        <p:txBody>
-          <a:bodyPr/>
-          <a:lstStyle/>
-          <a:p>
-            <a:endParaRPr lang="ko-KR" altLang="en-US"/>
-          </a:p>
-        </p:txBody>
-      </p:sp>
-      <p:pic>
-        <p:nvPicPr>
-          <p:cNvPr id="4" name="그림 3">
-            <a:extLst>
-              <a:ext uri="{FF2B5EF4-FFF2-40B4-BE49-F238E27FC236}">
-                <a16:creationId xmlns:a16="http://schemas.microsoft.com/office/drawing/2014/main" id="{B7C96730-53A3-2632-F131-6FC82FCC059B}"/>
-              </a:ext>
-            </a:extLst>
-          </p:cNvPr>
-          <p:cNvPicPr>
-            <a:picLocks noChangeAspect="1"/>
-          </p:cNvPicPr>
-          <p:nvPr/>
-        </p:nvPicPr>
-        <p:blipFill>
-          <a:blip r:embed="rId2"/>
-          <a:stretch>
-            <a:fillRect/>
-          </a:stretch>
-        </p:blipFill>
-        <p:spPr>
-          <a:xfrm>
-            <a:off x="838200" y="1918112"/>
-            <a:ext cx="4314825" cy="1219200"/>
-          </a:xfrm>
-          <a:prstGeom prst="rect">
-            <a:avLst/>
-          </a:prstGeom>
-        </p:spPr>
-      </p:pic>
-      <p:pic>
-        <p:nvPicPr>
-          <p:cNvPr id="5" name="그림 4">
-            <a:extLst>
-              <a:ext uri="{FF2B5EF4-FFF2-40B4-BE49-F238E27FC236}">
-                <a16:creationId xmlns:a16="http://schemas.microsoft.com/office/drawing/2014/main" id="{5EF382A8-2B75-7FBA-5984-5BD2B5BEC420}"/>
-              </a:ext>
-            </a:extLst>
-          </p:cNvPr>
-          <p:cNvPicPr>
-            <a:picLocks noChangeAspect="1"/>
-          </p:cNvPicPr>
-          <p:nvPr/>
-        </p:nvPicPr>
-        <p:blipFill>
-          <a:blip r:embed="rId3"/>
-          <a:stretch>
-            <a:fillRect/>
-          </a:stretch>
-        </p:blipFill>
-        <p:spPr>
-          <a:xfrm>
-            <a:off x="942522" y="3365427"/>
-            <a:ext cx="5390940" cy="2383120"/>
-          </a:xfrm>
-          <a:prstGeom prst="rect">
-            <a:avLst/>
-          </a:prstGeom>
-        </p:spPr>
-      </p:pic>
-    </p:spTree>
-    <p:extLst>
-      <p:ext uri="{BB962C8B-B14F-4D97-AF65-F5344CB8AC3E}">
-        <p14:creationId xmlns:p14="http://schemas.microsoft.com/office/powerpoint/2010/main" val="2508375784"/>
       </p:ext>
     </p:extLst>
   </p:cSld>
@@ -4380,7 +4707,7 @@
           <p:cNvPr id="2" name="제목 1">
             <a:extLst>
               <a:ext uri="{FF2B5EF4-FFF2-40B4-BE49-F238E27FC236}">
-                <a16:creationId xmlns:a16="http://schemas.microsoft.com/office/drawing/2014/main" id="{5DD64A7B-8D75-4EB3-B605-85E54EEFF687}"/>
+                <a16:creationId xmlns:a16="http://schemas.microsoft.com/office/drawing/2014/main" id="{FB03BBA7-CFF0-4337-8A0F-46D424DDD4FE}"/>
               </a:ext>
             </a:extLst>
           </p:cNvPr>
@@ -4391,12 +4718,22 @@
             <p:ph type="title"/>
           </p:nvPr>
         </p:nvSpPr>
-        <p:spPr/>
-        <p:txBody>
-          <a:bodyPr/>
-          <a:lstStyle/>
-          <a:p>
-            <a:endParaRPr lang="ko-KR" altLang="en-US"/>
+        <p:spPr>
+          <a:xfrm>
+            <a:off x="5795682" y="1918112"/>
+            <a:ext cx="3366247" cy="744328"/>
+          </a:xfrm>
+        </p:spPr>
+        <p:txBody>
+          <a:bodyPr>
+            <a:normAutofit/>
+          </a:bodyPr>
+          <a:lstStyle/>
+          <a:p>
+            <a:r>
+              <a:rPr lang="ko-KR" altLang="en-US" sz="2000"/>
+              <a:t>메인에서 일반 브랜치합병</a:t>
+            </a:r>
           </a:p>
         </p:txBody>
       </p:sp>
@@ -4405,7 +4742,7 @@
           <p:cNvPr id="3" name="내용 개체 틀 2">
             <a:extLst>
               <a:ext uri="{FF2B5EF4-FFF2-40B4-BE49-F238E27FC236}">
-                <a16:creationId xmlns:a16="http://schemas.microsoft.com/office/drawing/2014/main" id="{5DDCA615-3C3D-9FFF-6472-D874E97F4123}"/>
+                <a16:creationId xmlns:a16="http://schemas.microsoft.com/office/drawing/2014/main" id="{7890D351-F610-AC9E-71E5-A493515B177C}"/>
               </a:ext>
             </a:extLst>
           </p:cNvPr>
@@ -4416,21 +4753,42 @@
             <p:ph idx="1"/>
           </p:nvPr>
         </p:nvSpPr>
-        <p:spPr/>
-        <p:txBody>
-          <a:bodyPr/>
-          <a:lstStyle/>
-          <a:p>
-            <a:endParaRPr lang="ko-KR" altLang="en-US"/>
+        <p:spPr>
+          <a:xfrm>
+            <a:off x="6436658" y="4329974"/>
+            <a:ext cx="5916707" cy="744329"/>
+          </a:xfrm>
+        </p:spPr>
+        <p:txBody>
+          <a:bodyPr>
+            <a:normAutofit fontScale="92500"/>
+          </a:bodyPr>
+          <a:lstStyle/>
+          <a:p>
+            <a:pPr marL="0" indent="0">
+              <a:buNone/>
+            </a:pPr>
+            <a:r>
+              <a:rPr lang="ko-KR" altLang="en-US"/>
+              <a:t>최종적으로 원격 저장소에 </a:t>
+            </a:r>
+            <a:r>
+              <a:rPr lang="en-US" altLang="ko-KR"/>
+              <a:t>push</a:t>
+            </a:r>
+            <a:r>
+              <a:rPr lang="ko-KR" altLang="en-US"/>
+              <a:t>한다</a:t>
+            </a:r>
           </a:p>
         </p:txBody>
       </p:sp>
       <p:pic>
         <p:nvPicPr>
-          <p:cNvPr id="5" name="그림 4">
-            <a:extLst>
-              <a:ext uri="{FF2B5EF4-FFF2-40B4-BE49-F238E27FC236}">
-                <a16:creationId xmlns:a16="http://schemas.microsoft.com/office/drawing/2014/main" id="{B65ED7BB-FE66-6573-ECBF-8BFFD9740EBD}"/>
+          <p:cNvPr id="4" name="그림 3">
+            <a:extLst>
+              <a:ext uri="{FF2B5EF4-FFF2-40B4-BE49-F238E27FC236}">
+                <a16:creationId xmlns:a16="http://schemas.microsoft.com/office/drawing/2014/main" id="{B7C96730-53A3-2632-F131-6FC82FCC059B}"/>
               </a:ext>
             </a:extLst>
           </p:cNvPr>
@@ -4447,8 +4805,38 @@
         </p:blipFill>
         <p:spPr>
           <a:xfrm>
-            <a:off x="625848" y="562769"/>
-            <a:ext cx="9201150" cy="3438525"/>
+            <a:off x="838200" y="1918112"/>
+            <a:ext cx="4314825" cy="1219200"/>
+          </a:xfrm>
+          <a:prstGeom prst="rect">
+            <a:avLst/>
+          </a:prstGeom>
+        </p:spPr>
+      </p:pic>
+      <p:pic>
+        <p:nvPicPr>
+          <p:cNvPr id="5" name="그림 4">
+            <a:extLst>
+              <a:ext uri="{FF2B5EF4-FFF2-40B4-BE49-F238E27FC236}">
+                <a16:creationId xmlns:a16="http://schemas.microsoft.com/office/drawing/2014/main" id="{5EF382A8-2B75-7FBA-5984-5BD2B5BEC420}"/>
+              </a:ext>
+            </a:extLst>
+          </p:cNvPr>
+          <p:cNvPicPr>
+            <a:picLocks noChangeAspect="1"/>
+          </p:cNvPicPr>
+          <p:nvPr/>
+        </p:nvPicPr>
+        <p:blipFill>
+          <a:blip r:embed="rId3"/>
+          <a:stretch>
+            <a:fillRect/>
+          </a:stretch>
+        </p:blipFill>
+        <p:spPr>
+          <a:xfrm>
+            <a:off x="942522" y="3365427"/>
+            <a:ext cx="5390940" cy="2383120"/>
           </a:xfrm>
           <a:prstGeom prst="rect">
             <a:avLst/>
@@ -4458,7 +4846,7 @@
     </p:spTree>
     <p:extLst>
       <p:ext uri="{BB962C8B-B14F-4D97-AF65-F5344CB8AC3E}">
-        <p14:creationId xmlns:p14="http://schemas.microsoft.com/office/powerpoint/2010/main" val="2962774528"/>
+        <p14:creationId xmlns:p14="http://schemas.microsoft.com/office/powerpoint/2010/main" val="2508375784"/>
       </p:ext>
     </p:extLst>
   </p:cSld>

--- a/오픈소스 이해 7조 9주차 실습.pptx
+++ b/오픈소스 이해 7조 9주차 실습.pptx
@@ -3359,7 +3359,7 @@
           <a:p>
             <a:r>
               <a:rPr lang="ko-KR" altLang="en-US"/>
-              <a:t>오픈소스 </a:t>
+              <a:t>오픈소스이해 </a:t>
             </a:r>
             <a:r>
               <a:rPr lang="en-US" altLang="ko-KR"/>
